--- a/CV/Resume.pptx
+++ b/CV/Resume.pptx
@@ -104,6 +104,22 @@
       </a:defRPr>
     </a:lvl9pPr>
   </p:defaultTextStyle>
+  <p:extLst>
+    <p:ext uri="{EFAFB233-063F-42B5-8137-9DF3F51BA10A}">
+      <p15:sldGuideLst xmlns:p15="http://schemas.microsoft.com/office/powerpoint/2012/main">
+        <p15:guide id="1" orient="horz" pos="2160">
+          <p15:clr>
+            <a:srgbClr val="A4A3A4"/>
+          </p15:clr>
+        </p15:guide>
+        <p15:guide id="2" pos="2880">
+          <p15:clr>
+            <a:srgbClr val="A4A3A4"/>
+          </p15:clr>
+        </p15:guide>
+      </p15:sldGuideLst>
+    </p:ext>
+  </p:extLst>
 </p:presentation>
 </file>
 
@@ -145,10 +161,9 @@
           <a:lstStyle/>
           <a:p>
             <a:r>
-              <a:rPr lang="en-US" smtClean="0"/>
+              <a:rPr lang="en-US"/>
               <a:t>Click to edit Master title style</a:t>
             </a:r>
-            <a:endParaRPr lang="en-US"/>
           </a:p>
         </p:txBody>
       </p:sp>
@@ -264,10 +279,9 @@
           </a:lstStyle>
           <a:p>
             <a:r>
-              <a:rPr lang="en-US" smtClean="0"/>
+              <a:rPr lang="en-US"/>
               <a:t>Click to edit Master subtitle style</a:t>
             </a:r>
-            <a:endParaRPr lang="en-US"/>
           </a:p>
         </p:txBody>
       </p:sp>
@@ -288,7 +302,7 @@
           <a:p>
             <a:fld id="{08F841CE-6291-8041-B8FB-9A5B9FB9A636}" type="datetimeFigureOut">
               <a:rPr lang="en-US" smtClean="0"/>
-              <a:t>12/8/20</a:t>
+              <a:t>9/30/21</a:t>
             </a:fld>
             <a:endParaRPr lang="en-US"/>
           </a:p>
@@ -382,10 +396,9 @@
           <a:lstStyle/>
           <a:p>
             <a:r>
-              <a:rPr lang="en-US" smtClean="0"/>
+              <a:rPr lang="en-US"/>
               <a:t>Click to edit Master title style</a:t>
             </a:r>
-            <a:endParaRPr lang="en-US"/>
           </a:p>
         </p:txBody>
       </p:sp>
@@ -406,38 +419,37 @@
           <a:p>
             <a:pPr lvl="0"/>
             <a:r>
-              <a:rPr lang="en-US" smtClean="0"/>
+              <a:rPr lang="en-US"/>
               <a:t>Click to edit Master text styles</a:t>
             </a:r>
           </a:p>
           <a:p>
             <a:pPr lvl="1"/>
             <a:r>
-              <a:rPr lang="en-US" smtClean="0"/>
+              <a:rPr lang="en-US"/>
               <a:t>Second level</a:t>
             </a:r>
           </a:p>
           <a:p>
             <a:pPr lvl="2"/>
             <a:r>
-              <a:rPr lang="en-US" smtClean="0"/>
+              <a:rPr lang="en-US"/>
               <a:t>Third level</a:t>
             </a:r>
           </a:p>
           <a:p>
             <a:pPr lvl="3"/>
             <a:r>
-              <a:rPr lang="en-US" smtClean="0"/>
+              <a:rPr lang="en-US"/>
               <a:t>Fourth level</a:t>
             </a:r>
           </a:p>
           <a:p>
             <a:pPr lvl="4"/>
             <a:r>
-              <a:rPr lang="en-US" smtClean="0"/>
+              <a:rPr lang="en-US"/>
               <a:t>Fifth level</a:t>
             </a:r>
-            <a:endParaRPr lang="en-US"/>
           </a:p>
         </p:txBody>
       </p:sp>
@@ -458,7 +470,7 @@
           <a:p>
             <a:fld id="{08F841CE-6291-8041-B8FB-9A5B9FB9A636}" type="datetimeFigureOut">
               <a:rPr lang="en-US" smtClean="0"/>
-              <a:t>12/8/20</a:t>
+              <a:t>9/30/21</a:t>
             </a:fld>
             <a:endParaRPr lang="en-US"/>
           </a:p>
@@ -557,10 +569,9 @@
           <a:lstStyle/>
           <a:p>
             <a:r>
-              <a:rPr lang="en-US" smtClean="0"/>
+              <a:rPr lang="en-US"/>
               <a:t>Click to edit Master title style</a:t>
             </a:r>
-            <a:endParaRPr lang="en-US"/>
           </a:p>
         </p:txBody>
       </p:sp>
@@ -586,38 +597,37 @@
           <a:p>
             <a:pPr lvl="0"/>
             <a:r>
-              <a:rPr lang="en-US" smtClean="0"/>
+              <a:rPr lang="en-US"/>
               <a:t>Click to edit Master text styles</a:t>
             </a:r>
           </a:p>
           <a:p>
             <a:pPr lvl="1"/>
             <a:r>
-              <a:rPr lang="en-US" smtClean="0"/>
+              <a:rPr lang="en-US"/>
               <a:t>Second level</a:t>
             </a:r>
           </a:p>
           <a:p>
             <a:pPr lvl="2"/>
             <a:r>
-              <a:rPr lang="en-US" smtClean="0"/>
+              <a:rPr lang="en-US"/>
               <a:t>Third level</a:t>
             </a:r>
           </a:p>
           <a:p>
             <a:pPr lvl="3"/>
             <a:r>
-              <a:rPr lang="en-US" smtClean="0"/>
+              <a:rPr lang="en-US"/>
               <a:t>Fourth level</a:t>
             </a:r>
           </a:p>
           <a:p>
             <a:pPr lvl="4"/>
             <a:r>
-              <a:rPr lang="en-US" smtClean="0"/>
+              <a:rPr lang="en-US"/>
               <a:t>Fifth level</a:t>
             </a:r>
-            <a:endParaRPr lang="en-US"/>
           </a:p>
         </p:txBody>
       </p:sp>
@@ -638,7 +648,7 @@
           <a:p>
             <a:fld id="{08F841CE-6291-8041-B8FB-9A5B9FB9A636}" type="datetimeFigureOut">
               <a:rPr lang="en-US" smtClean="0"/>
-              <a:t>12/8/20</a:t>
+              <a:t>9/30/21</a:t>
             </a:fld>
             <a:endParaRPr lang="en-US"/>
           </a:p>
@@ -732,10 +742,9 @@
           <a:lstStyle/>
           <a:p>
             <a:r>
-              <a:rPr lang="en-US" smtClean="0"/>
+              <a:rPr lang="en-US"/>
               <a:t>Click to edit Master title style</a:t>
             </a:r>
-            <a:endParaRPr lang="en-US"/>
           </a:p>
         </p:txBody>
       </p:sp>
@@ -756,38 +765,37 @@
           <a:p>
             <a:pPr lvl="0"/>
             <a:r>
-              <a:rPr lang="en-US" smtClean="0"/>
+              <a:rPr lang="en-US"/>
               <a:t>Click to edit Master text styles</a:t>
             </a:r>
           </a:p>
           <a:p>
             <a:pPr lvl="1"/>
             <a:r>
-              <a:rPr lang="en-US" smtClean="0"/>
+              <a:rPr lang="en-US"/>
               <a:t>Second level</a:t>
             </a:r>
           </a:p>
           <a:p>
             <a:pPr lvl="2"/>
             <a:r>
-              <a:rPr lang="en-US" smtClean="0"/>
+              <a:rPr lang="en-US"/>
               <a:t>Third level</a:t>
             </a:r>
           </a:p>
           <a:p>
             <a:pPr lvl="3"/>
             <a:r>
-              <a:rPr lang="en-US" smtClean="0"/>
+              <a:rPr lang="en-US"/>
               <a:t>Fourth level</a:t>
             </a:r>
           </a:p>
           <a:p>
             <a:pPr lvl="4"/>
             <a:r>
-              <a:rPr lang="en-US" smtClean="0"/>
+              <a:rPr lang="en-US"/>
               <a:t>Fifth level</a:t>
             </a:r>
-            <a:endParaRPr lang="en-US"/>
           </a:p>
         </p:txBody>
       </p:sp>
@@ -808,7 +816,7 @@
           <a:p>
             <a:fld id="{08F841CE-6291-8041-B8FB-9A5B9FB9A636}" type="datetimeFigureOut">
               <a:rPr lang="en-US" smtClean="0"/>
-              <a:t>12/8/20</a:t>
+              <a:t>9/30/21</a:t>
             </a:fld>
             <a:endParaRPr lang="en-US"/>
           </a:p>
@@ -911,10 +919,9 @@
           </a:lstStyle>
           <a:p>
             <a:r>
-              <a:rPr lang="en-US" smtClean="0"/>
+              <a:rPr lang="en-US"/>
               <a:t>Click to edit Master title style</a:t>
             </a:r>
-            <a:endParaRPr lang="en-US"/>
           </a:p>
         </p:txBody>
       </p:sp>
@@ -1031,7 +1038,7 @@
           <a:p>
             <a:pPr lvl="0"/>
             <a:r>
-              <a:rPr lang="en-US" smtClean="0"/>
+              <a:rPr lang="en-US"/>
               <a:t>Click to edit Master text styles</a:t>
             </a:r>
           </a:p>
@@ -1054,7 +1061,7 @@
           <a:p>
             <a:fld id="{08F841CE-6291-8041-B8FB-9A5B9FB9A636}" type="datetimeFigureOut">
               <a:rPr lang="en-US" smtClean="0"/>
-              <a:t>12/8/20</a:t>
+              <a:t>9/30/21</a:t>
             </a:fld>
             <a:endParaRPr lang="en-US"/>
           </a:p>
@@ -1148,10 +1155,9 @@
           <a:lstStyle/>
           <a:p>
             <a:r>
-              <a:rPr lang="en-US" smtClean="0"/>
+              <a:rPr lang="en-US"/>
               <a:t>Click to edit Master title style</a:t>
             </a:r>
-            <a:endParaRPr lang="en-US"/>
           </a:p>
         </p:txBody>
       </p:sp>
@@ -1205,38 +1211,37 @@
           <a:p>
             <a:pPr lvl="0"/>
             <a:r>
-              <a:rPr lang="en-US" smtClean="0"/>
+              <a:rPr lang="en-US"/>
               <a:t>Click to edit Master text styles</a:t>
             </a:r>
           </a:p>
           <a:p>
             <a:pPr lvl="1"/>
             <a:r>
-              <a:rPr lang="en-US" smtClean="0"/>
+              <a:rPr lang="en-US"/>
               <a:t>Second level</a:t>
             </a:r>
           </a:p>
           <a:p>
             <a:pPr lvl="2"/>
             <a:r>
-              <a:rPr lang="en-US" smtClean="0"/>
+              <a:rPr lang="en-US"/>
               <a:t>Third level</a:t>
             </a:r>
           </a:p>
           <a:p>
             <a:pPr lvl="3"/>
             <a:r>
-              <a:rPr lang="en-US" smtClean="0"/>
+              <a:rPr lang="en-US"/>
               <a:t>Fourth level</a:t>
             </a:r>
           </a:p>
           <a:p>
             <a:pPr lvl="4"/>
             <a:r>
-              <a:rPr lang="en-US" smtClean="0"/>
+              <a:rPr lang="en-US"/>
               <a:t>Fifth level</a:t>
             </a:r>
-            <a:endParaRPr lang="en-US"/>
           </a:p>
         </p:txBody>
       </p:sp>
@@ -1290,38 +1295,37 @@
           <a:p>
             <a:pPr lvl="0"/>
             <a:r>
-              <a:rPr lang="en-US" smtClean="0"/>
+              <a:rPr lang="en-US"/>
               <a:t>Click to edit Master text styles</a:t>
             </a:r>
           </a:p>
           <a:p>
             <a:pPr lvl="1"/>
             <a:r>
-              <a:rPr lang="en-US" smtClean="0"/>
+              <a:rPr lang="en-US"/>
               <a:t>Second level</a:t>
             </a:r>
           </a:p>
           <a:p>
             <a:pPr lvl="2"/>
             <a:r>
-              <a:rPr lang="en-US" smtClean="0"/>
+              <a:rPr lang="en-US"/>
               <a:t>Third level</a:t>
             </a:r>
           </a:p>
           <a:p>
             <a:pPr lvl="3"/>
             <a:r>
-              <a:rPr lang="en-US" smtClean="0"/>
+              <a:rPr lang="en-US"/>
               <a:t>Fourth level</a:t>
             </a:r>
           </a:p>
           <a:p>
             <a:pPr lvl="4"/>
             <a:r>
-              <a:rPr lang="en-US" smtClean="0"/>
+              <a:rPr lang="en-US"/>
               <a:t>Fifth level</a:t>
             </a:r>
-            <a:endParaRPr lang="en-US"/>
           </a:p>
         </p:txBody>
       </p:sp>
@@ -1342,7 +1346,7 @@
           <a:p>
             <a:fld id="{08F841CE-6291-8041-B8FB-9A5B9FB9A636}" type="datetimeFigureOut">
               <a:rPr lang="en-US" smtClean="0"/>
-              <a:t>12/8/20</a:t>
+              <a:t>9/30/21</a:t>
             </a:fld>
             <a:endParaRPr lang="en-US"/>
           </a:p>
@@ -1440,10 +1444,9 @@
           </a:lstStyle>
           <a:p>
             <a:r>
-              <a:rPr lang="en-US" smtClean="0"/>
+              <a:rPr lang="en-US"/>
               <a:t>Click to edit Master title style</a:t>
             </a:r>
-            <a:endParaRPr lang="en-US"/>
           </a:p>
         </p:txBody>
       </p:sp>
@@ -1506,7 +1509,7 @@
           <a:p>
             <a:pPr lvl="0"/>
             <a:r>
-              <a:rPr lang="en-US" smtClean="0"/>
+              <a:rPr lang="en-US"/>
               <a:t>Click to edit Master text styles</a:t>
             </a:r>
           </a:p>
@@ -1562,38 +1565,37 @@
           <a:p>
             <a:pPr lvl="0"/>
             <a:r>
-              <a:rPr lang="en-US" smtClean="0"/>
+              <a:rPr lang="en-US"/>
               <a:t>Click to edit Master text styles</a:t>
             </a:r>
           </a:p>
           <a:p>
             <a:pPr lvl="1"/>
             <a:r>
-              <a:rPr lang="en-US" smtClean="0"/>
+              <a:rPr lang="en-US"/>
               <a:t>Second level</a:t>
             </a:r>
           </a:p>
           <a:p>
             <a:pPr lvl="2"/>
             <a:r>
-              <a:rPr lang="en-US" smtClean="0"/>
+              <a:rPr lang="en-US"/>
               <a:t>Third level</a:t>
             </a:r>
           </a:p>
           <a:p>
             <a:pPr lvl="3"/>
             <a:r>
-              <a:rPr lang="en-US" smtClean="0"/>
+              <a:rPr lang="en-US"/>
               <a:t>Fourth level</a:t>
             </a:r>
           </a:p>
           <a:p>
             <a:pPr lvl="4"/>
             <a:r>
-              <a:rPr lang="en-US" smtClean="0"/>
+              <a:rPr lang="en-US"/>
               <a:t>Fifth level</a:t>
             </a:r>
-            <a:endParaRPr lang="en-US"/>
           </a:p>
         </p:txBody>
       </p:sp>
@@ -1656,7 +1658,7 @@
           <a:p>
             <a:pPr lvl="0"/>
             <a:r>
-              <a:rPr lang="en-US" smtClean="0"/>
+              <a:rPr lang="en-US"/>
               <a:t>Click to edit Master text styles</a:t>
             </a:r>
           </a:p>
@@ -1712,38 +1714,37 @@
           <a:p>
             <a:pPr lvl="0"/>
             <a:r>
-              <a:rPr lang="en-US" smtClean="0"/>
+              <a:rPr lang="en-US"/>
               <a:t>Click to edit Master text styles</a:t>
             </a:r>
           </a:p>
           <a:p>
             <a:pPr lvl="1"/>
             <a:r>
-              <a:rPr lang="en-US" smtClean="0"/>
+              <a:rPr lang="en-US"/>
               <a:t>Second level</a:t>
             </a:r>
           </a:p>
           <a:p>
             <a:pPr lvl="2"/>
             <a:r>
-              <a:rPr lang="en-US" smtClean="0"/>
+              <a:rPr lang="en-US"/>
               <a:t>Third level</a:t>
             </a:r>
           </a:p>
           <a:p>
             <a:pPr lvl="3"/>
             <a:r>
-              <a:rPr lang="en-US" smtClean="0"/>
+              <a:rPr lang="en-US"/>
               <a:t>Fourth level</a:t>
             </a:r>
           </a:p>
           <a:p>
             <a:pPr lvl="4"/>
             <a:r>
-              <a:rPr lang="en-US" smtClean="0"/>
+              <a:rPr lang="en-US"/>
               <a:t>Fifth level</a:t>
             </a:r>
-            <a:endParaRPr lang="en-US"/>
           </a:p>
         </p:txBody>
       </p:sp>
@@ -1764,7 +1765,7 @@
           <a:p>
             <a:fld id="{08F841CE-6291-8041-B8FB-9A5B9FB9A636}" type="datetimeFigureOut">
               <a:rPr lang="en-US" smtClean="0"/>
-              <a:t>12/8/20</a:t>
+              <a:t>9/30/21</a:t>
             </a:fld>
             <a:endParaRPr lang="en-US"/>
           </a:p>
@@ -1858,10 +1859,9 @@
           <a:lstStyle/>
           <a:p>
             <a:r>
-              <a:rPr lang="en-US" smtClean="0"/>
+              <a:rPr lang="en-US"/>
               <a:t>Click to edit Master title style</a:t>
             </a:r>
-            <a:endParaRPr lang="en-US"/>
           </a:p>
         </p:txBody>
       </p:sp>
@@ -1882,7 +1882,7 @@
           <a:p>
             <a:fld id="{08F841CE-6291-8041-B8FB-9A5B9FB9A636}" type="datetimeFigureOut">
               <a:rPr lang="en-US" smtClean="0"/>
-              <a:t>12/8/20</a:t>
+              <a:t>9/30/21</a:t>
             </a:fld>
             <a:endParaRPr lang="en-US"/>
           </a:p>
@@ -1977,7 +1977,7 @@
           <a:p>
             <a:fld id="{08F841CE-6291-8041-B8FB-9A5B9FB9A636}" type="datetimeFigureOut">
               <a:rPr lang="en-US" smtClean="0"/>
-              <a:t>12/8/20</a:t>
+              <a:t>9/30/21</a:t>
             </a:fld>
             <a:endParaRPr lang="en-US"/>
           </a:p>
@@ -2080,10 +2080,9 @@
           </a:lstStyle>
           <a:p>
             <a:r>
-              <a:rPr lang="en-US" smtClean="0"/>
+              <a:rPr lang="en-US"/>
               <a:t>Click to edit Master title style</a:t>
             </a:r>
-            <a:endParaRPr lang="en-US"/>
           </a:p>
         </p:txBody>
       </p:sp>
@@ -2137,38 +2136,37 @@
           <a:p>
             <a:pPr lvl="0"/>
             <a:r>
-              <a:rPr lang="en-US" smtClean="0"/>
+              <a:rPr lang="en-US"/>
               <a:t>Click to edit Master text styles</a:t>
             </a:r>
           </a:p>
           <a:p>
             <a:pPr lvl="1"/>
             <a:r>
-              <a:rPr lang="en-US" smtClean="0"/>
+              <a:rPr lang="en-US"/>
               <a:t>Second level</a:t>
             </a:r>
           </a:p>
           <a:p>
             <a:pPr lvl="2"/>
             <a:r>
-              <a:rPr lang="en-US" smtClean="0"/>
+              <a:rPr lang="en-US"/>
               <a:t>Third level</a:t>
             </a:r>
           </a:p>
           <a:p>
             <a:pPr lvl="3"/>
             <a:r>
-              <a:rPr lang="en-US" smtClean="0"/>
+              <a:rPr lang="en-US"/>
               <a:t>Fourth level</a:t>
             </a:r>
           </a:p>
           <a:p>
             <a:pPr lvl="4"/>
             <a:r>
-              <a:rPr lang="en-US" smtClean="0"/>
+              <a:rPr lang="en-US"/>
               <a:t>Fifth level</a:t>
             </a:r>
-            <a:endParaRPr lang="en-US"/>
           </a:p>
         </p:txBody>
       </p:sp>
@@ -2231,7 +2229,7 @@
           <a:p>
             <a:pPr lvl="0"/>
             <a:r>
-              <a:rPr lang="en-US" smtClean="0"/>
+              <a:rPr lang="en-US"/>
               <a:t>Click to edit Master text styles</a:t>
             </a:r>
           </a:p>
@@ -2254,7 +2252,7 @@
           <a:p>
             <a:fld id="{08F841CE-6291-8041-B8FB-9A5B9FB9A636}" type="datetimeFigureOut">
               <a:rPr lang="en-US" smtClean="0"/>
-              <a:t>12/8/20</a:t>
+              <a:t>9/30/21</a:t>
             </a:fld>
             <a:endParaRPr lang="en-US"/>
           </a:p>
@@ -2357,10 +2355,9 @@
           </a:lstStyle>
           <a:p>
             <a:r>
-              <a:rPr lang="en-US" smtClean="0"/>
+              <a:rPr lang="en-US"/>
               <a:t>Click to edit Master title style</a:t>
             </a:r>
-            <a:endParaRPr lang="en-US"/>
           </a:p>
         </p:txBody>
       </p:sp>
@@ -2484,7 +2481,7 @@
           <a:p>
             <a:pPr lvl="0"/>
             <a:r>
-              <a:rPr lang="en-US" smtClean="0"/>
+              <a:rPr lang="en-US"/>
               <a:t>Click to edit Master text styles</a:t>
             </a:r>
           </a:p>
@@ -2507,7 +2504,7 @@
           <a:p>
             <a:fld id="{08F841CE-6291-8041-B8FB-9A5B9FB9A636}" type="datetimeFigureOut">
               <a:rPr lang="en-US" smtClean="0"/>
-              <a:t>12/8/20</a:t>
+              <a:t>9/30/21</a:t>
             </a:fld>
             <a:endParaRPr lang="en-US"/>
           </a:p>
@@ -2616,10 +2613,9 @@
           <a:lstStyle/>
           <a:p>
             <a:r>
-              <a:rPr lang="en-US" smtClean="0"/>
+              <a:rPr lang="en-US"/>
               <a:t>Click to edit Master title style</a:t>
             </a:r>
-            <a:endParaRPr lang="en-US"/>
           </a:p>
         </p:txBody>
       </p:sp>
@@ -2650,38 +2646,37 @@
           <a:p>
             <a:pPr lvl="0"/>
             <a:r>
-              <a:rPr lang="en-US" smtClean="0"/>
+              <a:rPr lang="en-US"/>
               <a:t>Click to edit Master text styles</a:t>
             </a:r>
           </a:p>
           <a:p>
             <a:pPr lvl="1"/>
             <a:r>
-              <a:rPr lang="en-US" smtClean="0"/>
+              <a:rPr lang="en-US"/>
               <a:t>Second level</a:t>
             </a:r>
           </a:p>
           <a:p>
             <a:pPr lvl="2"/>
             <a:r>
-              <a:rPr lang="en-US" smtClean="0"/>
+              <a:rPr lang="en-US"/>
               <a:t>Third level</a:t>
             </a:r>
           </a:p>
           <a:p>
             <a:pPr lvl="3"/>
             <a:r>
-              <a:rPr lang="en-US" smtClean="0"/>
+              <a:rPr lang="en-US"/>
               <a:t>Fourth level</a:t>
             </a:r>
           </a:p>
           <a:p>
             <a:pPr lvl="4"/>
             <a:r>
-              <a:rPr lang="en-US" smtClean="0"/>
+              <a:rPr lang="en-US"/>
               <a:t>Fifth level</a:t>
             </a:r>
-            <a:endParaRPr lang="en-US"/>
           </a:p>
         </p:txBody>
       </p:sp>
@@ -2720,7 +2715,7 @@
           <a:p>
             <a:fld id="{08F841CE-6291-8041-B8FB-9A5B9FB9A636}" type="datetimeFigureOut">
               <a:rPr lang="en-US" smtClean="0"/>
-              <a:t>12/8/20</a:t>
+              <a:t>9/30/21</a:t>
             </a:fld>
             <a:endParaRPr lang="en-US"/>
           </a:p>
@@ -3903,22 +3898,21 @@
           <a:lstStyle/>
           <a:p>
             <a:r>
-              <a:rPr lang="en-US" sz="1200" dirty="0" smtClean="0"/>
+              <a:rPr lang="en-US" sz="1200" dirty="0"/>
               <a:t>Internship</a:t>
             </a:r>
           </a:p>
           <a:p>
             <a:r>
-              <a:rPr lang="en-US" sz="1200" i="1" dirty="0" smtClean="0"/>
+              <a:rPr lang="en-US" sz="1200" i="1" dirty="0"/>
               <a:t>Knowledge Based Systems, Inc.</a:t>
             </a:r>
           </a:p>
           <a:p>
             <a:r>
-              <a:rPr lang="en-US" sz="1200" dirty="0" smtClean="0"/>
+              <a:rPr lang="en-US" sz="1200" dirty="0"/>
               <a:t>Jan. 2007-Dec. 2007</a:t>
             </a:r>
-            <a:endParaRPr lang="en-US" sz="1200" dirty="0"/>
           </a:p>
         </p:txBody>
       </p:sp>
@@ -4044,35 +4038,34 @@
           <a:p>
             <a:pPr algn="r"/>
             <a:r>
-              <a:rPr lang="en-US" sz="1200" dirty="0" smtClean="0"/>
+              <a:rPr lang="en-US" sz="1200" dirty="0"/>
               <a:t>Research Specialist/Associate</a:t>
             </a:r>
           </a:p>
           <a:p>
             <a:pPr algn="r"/>
             <a:r>
-              <a:rPr lang="en-US" sz="1200" i="1" dirty="0" err="1" smtClean="0"/>
+              <a:rPr lang="en-US" sz="1200" i="1" dirty="0" err="1"/>
               <a:t>Stowers</a:t>
             </a:r>
             <a:r>
-              <a:rPr lang="en-US" sz="1200" i="1" dirty="0" smtClean="0"/>
+              <a:rPr lang="en-US" sz="1200" i="1" dirty="0"/>
               <a:t> Institute for Medical Research/</a:t>
             </a:r>
           </a:p>
           <a:p>
             <a:pPr algn="r"/>
             <a:r>
-              <a:rPr lang="en-US" sz="1200" i="1" dirty="0" smtClean="0"/>
+              <a:rPr lang="en-US" sz="1200" i="1" dirty="0"/>
               <a:t>Pennsylvania State University</a:t>
             </a:r>
           </a:p>
           <a:p>
             <a:pPr algn="r"/>
             <a:r>
-              <a:rPr lang="en-US" sz="1200" dirty="0" smtClean="0"/>
+              <a:rPr lang="en-US" sz="1200" dirty="0"/>
               <a:t>Jan. 2008-Aug. 2010/Sep. 2010-Mar. 2011</a:t>
             </a:r>
-            <a:endParaRPr lang="en-US" sz="1200" dirty="0"/>
           </a:p>
         </p:txBody>
       </p:sp>
@@ -4198,31 +4191,30 @@
           <a:p>
             <a:pPr algn="r"/>
             <a:r>
-              <a:rPr lang="en-US" sz="1200" dirty="0" smtClean="0"/>
+              <a:rPr lang="en-US" sz="1200" dirty="0"/>
               <a:t>Research Fellow/Associate</a:t>
             </a:r>
           </a:p>
           <a:p>
             <a:pPr algn="r"/>
             <a:r>
-              <a:rPr lang="en-US" sz="1200" i="1" dirty="0" smtClean="0"/>
+              <a:rPr lang="en-US" sz="1200" i="1" dirty="0"/>
               <a:t>Memorial Sloan-Kettering </a:t>
             </a:r>
           </a:p>
           <a:p>
             <a:pPr algn="r"/>
             <a:r>
-              <a:rPr lang="en-US" sz="1200" i="1" dirty="0" smtClean="0"/>
+              <a:rPr lang="en-US" sz="1200" i="1" dirty="0"/>
               <a:t>Cancer Center</a:t>
             </a:r>
           </a:p>
           <a:p>
             <a:pPr algn="r"/>
             <a:r>
-              <a:rPr lang="en-US" sz="1200" dirty="0" smtClean="0"/>
+              <a:rPr lang="en-US" sz="1200" dirty="0"/>
               <a:t>Apr. 2011-Oct. 2013</a:t>
             </a:r>
-            <a:endParaRPr lang="en-US" sz="1200" dirty="0"/>
           </a:p>
         </p:txBody>
       </p:sp>
@@ -4348,28 +4340,27 @@
           <a:p>
             <a:pPr algn="r"/>
             <a:r>
-              <a:rPr lang="en-US" sz="1200" b="1" dirty="0" smtClean="0"/>
+              <a:rPr lang="en-US" sz="1200" b="1" dirty="0"/>
               <a:t>Assistant Professor</a:t>
             </a:r>
           </a:p>
           <a:p>
             <a:pPr algn="r"/>
             <a:r>
-              <a:rPr lang="en-US" sz="1200" i="1" dirty="0" smtClean="0"/>
+              <a:rPr lang="en-US" sz="1200" i="1" dirty="0"/>
               <a:t>New York University </a:t>
             </a:r>
             <a:r>
-              <a:rPr lang="en-US" sz="1200" dirty="0" smtClean="0"/>
+              <a:rPr lang="en-US" sz="1200" dirty="0"/>
               <a:t>	</a:t>
             </a:r>
           </a:p>
           <a:p>
             <a:pPr algn="r"/>
             <a:r>
-              <a:rPr lang="en-US" sz="1200" dirty="0" smtClean="0"/>
+              <a:rPr lang="en-US" sz="1200" dirty="0"/>
               <a:t>Nov. 2013-Aug. 2019</a:t>
             </a:r>
-            <a:endParaRPr lang="en-US" sz="1200" dirty="0"/>
           </a:p>
         </p:txBody>
       </p:sp>
@@ -4744,25 +4735,24 @@
           <a:p>
             <a:pPr algn="r"/>
             <a:r>
-              <a:rPr lang="en-US" sz="1200" dirty="0" smtClean="0"/>
+              <a:rPr lang="en-US" sz="1200" dirty="0"/>
               <a:t>Bachelor of Science Mathematics (BSc.)</a:t>
             </a:r>
           </a:p>
           <a:p>
             <a:pPr algn="r"/>
             <a:r>
-              <a:rPr lang="en-US" sz="1200" i="1" dirty="0" smtClean="0"/>
+              <a:rPr lang="en-US" sz="1200" i="1" dirty="0"/>
               <a:t>University of Madras</a:t>
             </a:r>
-            <a:endParaRPr lang="en-US" sz="1200" dirty="0" smtClean="0"/>
+            <a:endParaRPr lang="en-US" sz="1200" dirty="0"/>
           </a:p>
           <a:p>
             <a:pPr algn="r"/>
             <a:r>
-              <a:rPr lang="en-US" sz="1200" dirty="0" smtClean="0"/>
+              <a:rPr lang="en-US" sz="1200" dirty="0"/>
               <a:t>Apr. 1998</a:t>
             </a:r>
-            <a:endParaRPr lang="en-US" sz="1200" dirty="0"/>
           </a:p>
         </p:txBody>
       </p:sp>
@@ -4790,25 +4780,24 @@
           <a:p>
             <a:pPr algn="r"/>
             <a:r>
-              <a:rPr lang="en-US" sz="1200" dirty="0" smtClean="0"/>
+              <a:rPr lang="en-US" sz="1200" dirty="0"/>
               <a:t>Master of Science Mathematics (MSc.)</a:t>
             </a:r>
           </a:p>
           <a:p>
             <a:pPr algn="r"/>
             <a:r>
-              <a:rPr lang="en-US" sz="1200" i="1" dirty="0" smtClean="0"/>
+              <a:rPr lang="en-US" sz="1200" i="1" dirty="0"/>
               <a:t>IIT, Madras</a:t>
             </a:r>
-            <a:endParaRPr lang="en-US" sz="1200" dirty="0" smtClean="0"/>
+            <a:endParaRPr lang="en-US" sz="1200" dirty="0"/>
           </a:p>
           <a:p>
             <a:pPr algn="r"/>
             <a:r>
-              <a:rPr lang="en-US" sz="1200" dirty="0" smtClean="0"/>
+              <a:rPr lang="en-US" sz="1200" dirty="0"/>
               <a:t>Apr. 2000</a:t>
             </a:r>
-            <a:endParaRPr lang="en-US" sz="1200" dirty="0"/>
           </a:p>
         </p:txBody>
       </p:sp>
@@ -4836,32 +4825,31 @@
           <a:p>
             <a:pPr algn="r"/>
             <a:r>
-              <a:rPr lang="en-US" sz="1200" dirty="0" smtClean="0"/>
+              <a:rPr lang="en-US" sz="1200" dirty="0"/>
               <a:t>Master of Science </a:t>
             </a:r>
           </a:p>
           <a:p>
             <a:pPr algn="r"/>
             <a:r>
-              <a:rPr lang="en-US" sz="1200" dirty="0" smtClean="0"/>
+              <a:rPr lang="en-US" sz="1200" dirty="0"/>
               <a:t>Mathematics (MS.) </a:t>
             </a:r>
           </a:p>
           <a:p>
             <a:pPr algn="r"/>
             <a:r>
-              <a:rPr lang="en-US" sz="1200" i="1" dirty="0" smtClean="0"/>
+              <a:rPr lang="en-US" sz="1200" i="1" dirty="0"/>
               <a:t>Texas A&amp;M University</a:t>
             </a:r>
-            <a:endParaRPr lang="en-US" sz="1200" dirty="0" smtClean="0"/>
+            <a:endParaRPr lang="en-US" sz="1200" dirty="0"/>
           </a:p>
           <a:p>
             <a:pPr algn="r"/>
             <a:r>
-              <a:rPr lang="en-US" sz="1200" dirty="0" smtClean="0"/>
+              <a:rPr lang="en-US" sz="1200" dirty="0"/>
               <a:t>Apr. 2002</a:t>
             </a:r>
-            <a:endParaRPr lang="en-US" sz="1200" dirty="0"/>
           </a:p>
         </p:txBody>
       </p:sp>
@@ -4896,25 +4884,8 @@
                 <a:latin typeface="Arial"/>
                 <a:cs typeface="Arial"/>
               </a:rPr>
-              <a:t>e</a:t>
-            </a:r>
-            <a:r>
-              <a:rPr lang="en-US" sz="1600" b="1" dirty="0" smtClean="0">
-                <a:solidFill>
-                  <a:srgbClr val="FFFFFF"/>
-                </a:solidFill>
-                <a:latin typeface="Arial"/>
-                <a:cs typeface="Arial"/>
-              </a:rPr>
-              <a:t>ducation</a:t>
-            </a:r>
-            <a:endParaRPr lang="en-US" sz="1600" b="1" dirty="0">
-              <a:solidFill>
-                <a:srgbClr val="FFFFFF"/>
-              </a:solidFill>
-              <a:latin typeface="Arial"/>
-              <a:cs typeface="Arial"/>
-            </a:endParaRPr>
+              <a:t>education</a:t>
+            </a:r>
           </a:p>
         </p:txBody>
       </p:sp>
@@ -4949,25 +4920,8 @@
                 <a:latin typeface="Arial"/>
                 <a:cs typeface="Arial"/>
               </a:rPr>
-              <a:t>a</a:t>
-            </a:r>
-            <a:r>
-              <a:rPr lang="en-US" sz="2000" b="1" dirty="0" smtClean="0">
-                <a:solidFill>
-                  <a:schemeClr val="bg1"/>
-                </a:solidFill>
-                <a:latin typeface="Arial"/>
-                <a:cs typeface="Arial"/>
-              </a:rPr>
-              <a:t>cquired credentials</a:t>
-            </a:r>
-            <a:endParaRPr lang="en-US" sz="2000" b="1" dirty="0">
-              <a:solidFill>
-                <a:schemeClr val="bg1"/>
-              </a:solidFill>
-              <a:latin typeface="Arial"/>
-              <a:cs typeface="Arial"/>
-            </a:endParaRPr>
+              <a:t>acquired credentials</a:t>
+            </a:r>
           </a:p>
         </p:txBody>
       </p:sp>
@@ -4995,7 +4949,7 @@
           <a:p>
             <a:pPr algn="ctr"/>
             <a:r>
-              <a:rPr lang="en-US" sz="2800" b="1" dirty="0" smtClean="0">
+              <a:rPr lang="en-US" sz="2800" b="1" dirty="0">
                 <a:solidFill>
                   <a:schemeClr val="bg1"/>
                 </a:solidFill>
@@ -5008,7 +4962,7 @@
           <a:p>
             <a:pPr algn="ctr"/>
             <a:r>
-              <a:rPr lang="en-US" sz="2800" b="1" dirty="0" smtClean="0">
+              <a:rPr lang="en-US" sz="2800" b="1" dirty="0">
                 <a:solidFill>
                   <a:schemeClr val="bg1"/>
                 </a:solidFill>
@@ -5043,32 +4997,31 @@
           <a:lstStyle/>
           <a:p>
             <a:r>
-              <a:rPr lang="en-US" sz="1200" b="1" dirty="0" smtClean="0"/>
+              <a:rPr lang="en-US" sz="1200" b="1" dirty="0"/>
               <a:t>Doctor of Philosophy</a:t>
             </a:r>
           </a:p>
           <a:p>
             <a:r>
-              <a:rPr lang="en-US" sz="1200" dirty="0" smtClean="0"/>
+              <a:rPr lang="en-US" sz="1200" dirty="0"/>
               <a:t>Computer Science (PhD)</a:t>
             </a:r>
           </a:p>
           <a:p>
             <a:r>
-              <a:rPr lang="en-US" sz="1200" i="1" dirty="0" smtClean="0"/>
+              <a:rPr lang="en-US" sz="1200" i="1" dirty="0"/>
               <a:t>Texas A&amp;M University</a:t>
             </a:r>
             <a:r>
-              <a:rPr lang="en-US" sz="1200" dirty="0" smtClean="0"/>
+              <a:rPr lang="en-US" sz="1200" dirty="0"/>
               <a:t>	</a:t>
             </a:r>
           </a:p>
           <a:p>
             <a:r>
-              <a:rPr lang="en-US" sz="1200" dirty="0" smtClean="0"/>
+              <a:rPr lang="en-US" sz="1200" dirty="0"/>
               <a:t>Aug. 2008</a:t>
             </a:r>
-            <a:endParaRPr lang="en-US" sz="1200" dirty="0"/>
           </a:p>
         </p:txBody>
       </p:sp>
@@ -5103,25 +5056,8 @@
                 <a:latin typeface="Arial"/>
                 <a:cs typeface="Arial"/>
               </a:rPr>
-              <a:t>s</a:t>
-            </a:r>
-            <a:r>
-              <a:rPr lang="en-US" sz="2000" b="1" dirty="0" smtClean="0">
-                <a:solidFill>
-                  <a:srgbClr val="FFFFFF"/>
-                </a:solidFill>
-                <a:latin typeface="Arial"/>
-                <a:cs typeface="Arial"/>
-              </a:rPr>
-              <a:t>elf-motivation</a:t>
-            </a:r>
-            <a:endParaRPr lang="en-US" sz="2000" b="1" dirty="0">
-              <a:solidFill>
-                <a:srgbClr val="FFFFFF"/>
-              </a:solidFill>
-              <a:latin typeface="Arial"/>
-              <a:cs typeface="Arial"/>
-            </a:endParaRPr>
+              <a:t>self-motivation</a:t>
+            </a:r>
           </a:p>
         </p:txBody>
       </p:sp>
@@ -5156,25 +5092,8 @@
                 <a:latin typeface="Arial"/>
                 <a:cs typeface="Arial"/>
               </a:rPr>
-              <a:t>c</a:t>
-            </a:r>
-            <a:r>
-              <a:rPr lang="en-US" sz="1600" b="1" dirty="0" smtClean="0">
-                <a:solidFill>
-                  <a:srgbClr val="FFFFFF"/>
-                </a:solidFill>
-                <a:latin typeface="Arial"/>
-                <a:cs typeface="Arial"/>
-              </a:rPr>
-              <a:t>reativity</a:t>
-            </a:r>
-            <a:endParaRPr lang="en-US" sz="1600" b="1" dirty="0">
-              <a:solidFill>
-                <a:srgbClr val="FFFFFF"/>
-              </a:solidFill>
-              <a:latin typeface="Arial"/>
-              <a:cs typeface="Arial"/>
-            </a:endParaRPr>
+              <a:t>creativity</a:t>
+            </a:r>
           </a:p>
         </p:txBody>
       </p:sp>
@@ -5209,25 +5128,8 @@
                 <a:latin typeface="Arial"/>
                 <a:cs typeface="Arial"/>
               </a:rPr>
-              <a:t>s</a:t>
-            </a:r>
-            <a:r>
-              <a:rPr lang="en-US" sz="2000" b="1" dirty="0" smtClean="0">
-                <a:solidFill>
-                  <a:srgbClr val="FFFFFF"/>
-                </a:solidFill>
-                <a:latin typeface="Arial"/>
-                <a:cs typeface="Arial"/>
-              </a:rPr>
-              <a:t>kills</a:t>
-            </a:r>
-            <a:endParaRPr lang="en-US" sz="2000" b="1" dirty="0">
-              <a:solidFill>
-                <a:srgbClr val="FFFFFF"/>
-              </a:solidFill>
-              <a:latin typeface="Arial"/>
-              <a:cs typeface="Arial"/>
-            </a:endParaRPr>
+              <a:t>skills</a:t>
+            </a:r>
           </a:p>
         </p:txBody>
       </p:sp>
@@ -5254,25 +5156,25 @@
           <a:lstStyle/>
           <a:p>
             <a:r>
-              <a:rPr lang="en-US" sz="1200" b="1" dirty="0" smtClean="0"/>
+              <a:rPr lang="en-US" sz="1200" b="1" dirty="0"/>
               <a:t>Several successful collaborations</a:t>
             </a:r>
           </a:p>
           <a:p>
             <a:r>
-              <a:rPr lang="en-US" sz="1200" dirty="0" smtClean="0"/>
+              <a:rPr lang="en-US" sz="1200" dirty="0"/>
               <a:t>Active learner and listener</a:t>
             </a:r>
           </a:p>
           <a:p>
             <a:r>
-              <a:rPr lang="en-US" sz="1200" dirty="0" smtClean="0"/>
+              <a:rPr lang="en-US" sz="1200" dirty="0"/>
               <a:t>Emotional intelligence</a:t>
             </a:r>
           </a:p>
           <a:p>
             <a:r>
-              <a:rPr lang="en-US" sz="1200" dirty="0" smtClean="0"/>
+              <a:rPr lang="en-US" sz="1200" dirty="0"/>
               <a:t>Communication</a:t>
             </a:r>
           </a:p>
@@ -5354,27 +5256,26 @@
           <a:lstStyle/>
           <a:p>
             <a:r>
-              <a:rPr lang="en-US" sz="1200" dirty="0" smtClean="0"/>
+              <a:rPr lang="en-US" sz="1200" dirty="0"/>
               <a:t>Proven track record of applying data science to biology and </a:t>
             </a:r>
             <a:r>
-              <a:rPr lang="en-US" sz="1200" dirty="0" err="1" smtClean="0"/>
+              <a:rPr lang="en-US" sz="1200" dirty="0" err="1"/>
               <a:t>omics</a:t>
             </a:r>
             <a:r>
-              <a:rPr lang="en-US" sz="1200" dirty="0" smtClean="0"/>
+              <a:rPr lang="en-US" sz="1200" dirty="0"/>
               <a:t> data</a:t>
             </a:r>
           </a:p>
           <a:p>
             <a:r>
-              <a:rPr lang="en-US" sz="1200" dirty="0" smtClean="0"/>
+              <a:rPr lang="en-US" sz="1200" dirty="0"/>
               <a:t>Image analysis/processing</a:t>
             </a:r>
+          </a:p>
+          <a:p>
             <a:endParaRPr lang="en-US" sz="1200" dirty="0"/>
-          </a:p>
-          <a:p>
-            <a:endParaRPr lang="en-US" sz="1200" dirty="0" smtClean="0"/>
           </a:p>
         </p:txBody>
       </p:sp>
@@ -5499,7 +5400,7 @@
           <a:lstStyle/>
           <a:p>
             <a:r>
-              <a:rPr lang="en-US" sz="1200" dirty="0" smtClean="0"/>
+              <a:rPr lang="en-US" sz="1200" dirty="0"/>
               <a:t>Designing/directing data science &amp; machine learning courses</a:t>
             </a:r>
           </a:p>
@@ -5671,19 +5572,19 @@
           <a:lstStyle/>
           <a:p>
             <a:r>
-              <a:rPr lang="en-US" sz="1200" dirty="0" smtClean="0"/>
+              <a:rPr lang="en-US" sz="1200" dirty="0"/>
               <a:t>Software development</a:t>
             </a:r>
           </a:p>
           <a:p>
             <a:r>
-              <a:rPr lang="en-US" sz="1200" dirty="0" smtClean="0"/>
+              <a:rPr lang="en-US" sz="1200" dirty="0"/>
               <a:t>Bioinformatics pipeline development</a:t>
             </a:r>
           </a:p>
           <a:p>
             <a:r>
-              <a:rPr lang="en-US" sz="1200" dirty="0" smtClean="0"/>
+              <a:rPr lang="en-US" sz="1200" dirty="0"/>
               <a:t>NGS analysis/processing</a:t>
             </a:r>
           </a:p>
@@ -5810,19 +5711,19 @@
           <a:lstStyle/>
           <a:p>
             <a:r>
-              <a:rPr lang="en-US" sz="1200" b="1" dirty="0" smtClean="0"/>
+              <a:rPr lang="en-US" sz="1200" b="1" dirty="0"/>
               <a:t>Directed insights using data science</a:t>
             </a:r>
           </a:p>
           <a:p>
             <a:r>
-              <a:rPr lang="en-US" sz="1200" dirty="0" smtClean="0"/>
+              <a:rPr lang="en-US" sz="1200" dirty="0"/>
               <a:t>Mathematical &amp; statistical modeling</a:t>
             </a:r>
           </a:p>
           <a:p>
             <a:r>
-              <a:rPr lang="en-US" sz="1200" dirty="0" smtClean="0"/>
+              <a:rPr lang="en-US" sz="1200" dirty="0"/>
               <a:t>Visualization </a:t>
             </a:r>
           </a:p>
@@ -5949,69 +5850,61 @@
           <a:lstStyle/>
           <a:p>
             <a:r>
-              <a:rPr lang="en-US" sz="1200" dirty="0" smtClean="0"/>
-              <a:t>Data science (</a:t>
-            </a:r>
-            <a:r>
-              <a:rPr lang="en-US" sz="1200" dirty="0" smtClean="0"/>
-              <a:t>14 </a:t>
-            </a:r>
-            <a:r>
-              <a:rPr lang="en-US" sz="1200" dirty="0" smtClean="0"/>
-              <a:t>years)</a:t>
-            </a:r>
-          </a:p>
-          <a:p>
-            <a:r>
-              <a:rPr lang="en-US" sz="1200" dirty="0" smtClean="0"/>
+              <a:rPr lang="en-US" sz="1200" dirty="0"/>
+              <a:t>Data science (14 years)</a:t>
+            </a:r>
+          </a:p>
+          <a:p>
+            <a:r>
+              <a:rPr lang="en-US" sz="1200" dirty="0"/>
               <a:t>Machine learning</a:t>
             </a:r>
           </a:p>
           <a:p>
             <a:r>
-              <a:rPr lang="en-US" sz="1200" dirty="0" smtClean="0"/>
+              <a:rPr lang="en-US" sz="1200" dirty="0"/>
               <a:t>Several bioinformatics tools</a:t>
             </a:r>
           </a:p>
           <a:p>
             <a:r>
-              <a:rPr lang="en-US" sz="1200" dirty="0" smtClean="0"/>
+              <a:rPr lang="en-US" sz="1200" dirty="0"/>
               <a:t>Implementation skills</a:t>
             </a:r>
           </a:p>
           <a:p>
             <a:r>
-              <a:rPr lang="en-US" sz="1200" dirty="0" smtClean="0"/>
+              <a:rPr lang="en-US" sz="1200" dirty="0"/>
               <a:t>R/Python/Other </a:t>
             </a:r>
           </a:p>
           <a:p>
             <a:r>
-              <a:rPr lang="en-US" sz="1200" dirty="0" smtClean="0"/>
+              <a:rPr lang="en-US" sz="1200" dirty="0"/>
               <a:t>Strong Unix skills</a:t>
             </a:r>
           </a:p>
           <a:p>
             <a:r>
-              <a:rPr lang="en-US" sz="1200" dirty="0" smtClean="0"/>
+              <a:rPr lang="en-US" sz="1200" dirty="0"/>
               <a:t>Image analysis</a:t>
             </a:r>
           </a:p>
           <a:p>
             <a:r>
-              <a:rPr lang="en-US" sz="1200" dirty="0" smtClean="0"/>
+              <a:rPr lang="en-US" sz="1200" dirty="0"/>
               <a:t>Statistics, Mathematics</a:t>
             </a:r>
           </a:p>
           <a:p>
             <a:r>
-              <a:rPr lang="en-US" sz="1200" dirty="0" smtClean="0"/>
+              <a:rPr lang="en-US" sz="1200" dirty="0"/>
               <a:t>Academic research</a:t>
             </a:r>
           </a:p>
           <a:p>
             <a:r>
-              <a:rPr lang="en-US" sz="1200" dirty="0" smtClean="0"/>
+              <a:rPr lang="en-US" sz="1200" dirty="0"/>
               <a:t>Top publications</a:t>
             </a:r>
           </a:p>
@@ -6191,17 +6084,7 @@
                 <a:latin typeface="Arial"/>
                 <a:cs typeface="Arial"/>
               </a:rPr>
-              <a:t>w</a:t>
-            </a:r>
-            <a:r>
-              <a:rPr lang="en-US" sz="1600" b="1" dirty="0" smtClean="0">
-                <a:solidFill>
-                  <a:srgbClr val="FFFFFF"/>
-                </a:solidFill>
-                <a:latin typeface="Arial"/>
-                <a:cs typeface="Arial"/>
-              </a:rPr>
-              <a:t>ork </a:t>
+              <a:t>work </a:t>
             </a:r>
           </a:p>
           <a:p>
@@ -6214,25 +6097,8 @@
                 <a:latin typeface="Arial"/>
                 <a:cs typeface="Arial"/>
               </a:rPr>
-              <a:t>e</a:t>
-            </a:r>
-            <a:r>
-              <a:rPr lang="en-US" sz="1600" b="1" dirty="0" smtClean="0">
-                <a:solidFill>
-                  <a:srgbClr val="FFFFFF"/>
-                </a:solidFill>
-                <a:latin typeface="Arial"/>
-                <a:cs typeface="Arial"/>
-              </a:rPr>
-              <a:t>xperience</a:t>
-            </a:r>
-            <a:endParaRPr lang="en-US" sz="1600" b="1" dirty="0">
-              <a:solidFill>
-                <a:srgbClr val="FFFFFF"/>
-              </a:solidFill>
-              <a:latin typeface="Arial"/>
-              <a:cs typeface="Arial"/>
-            </a:endParaRPr>
+              <a:t>experience</a:t>
+            </a:r>
           </a:p>
         </p:txBody>
       </p:sp>
@@ -6305,7 +6171,7 @@
           <a:p>
             <a:pPr algn="ctr"/>
             <a:r>
-              <a:rPr lang="en-US" sz="1600" b="1" dirty="0" smtClean="0">
+              <a:rPr lang="en-US" sz="1600" b="1" dirty="0">
                 <a:solidFill>
                   <a:srgbClr val="FFFFFF"/>
                 </a:solidFill>
@@ -6318,7 +6184,7 @@
           <a:p>
             <a:pPr algn="ctr"/>
             <a:r>
-              <a:rPr lang="en-US" sz="1600" b="1" dirty="0" smtClean="0">
+              <a:rPr lang="en-US" sz="1600" b="1" dirty="0">
                 <a:solidFill>
                   <a:srgbClr val="FFFFFF"/>
                 </a:solidFill>
@@ -6327,13 +6193,6 @@
               </a:rPr>
               <a:t>efforts</a:t>
             </a:r>
-            <a:endParaRPr lang="en-US" sz="1600" b="1" dirty="0">
-              <a:solidFill>
-                <a:srgbClr val="FFFFFF"/>
-              </a:solidFill>
-              <a:latin typeface="Arial"/>
-              <a:cs typeface="Arial"/>
-            </a:endParaRPr>
           </a:p>
         </p:txBody>
       </p:sp>
@@ -6455,34 +6314,20 @@
           <a:p>
             <a:pPr algn="r"/>
             <a:r>
-              <a:rPr lang="en-US" sz="1200" b="1" dirty="0" smtClean="0"/>
-              <a:t>Associate Professor &amp; </a:t>
-            </a:r>
-            <a:r>
-              <a:rPr lang="en-US" sz="1200" b="1" dirty="0" smtClean="0"/>
-              <a:t>Director</a:t>
-            </a:r>
-            <a:endParaRPr lang="en-US" sz="1200" b="1" dirty="0" smtClean="0"/>
+              <a:rPr lang="en-US" sz="1200" b="1" dirty="0"/>
+              <a:t>Associate Professor &amp; Director</a:t>
+            </a:r>
           </a:p>
           <a:p>
             <a:pPr algn="r"/>
             <a:r>
-              <a:rPr lang="en-US" sz="1200" i="1" dirty="0" smtClean="0"/>
+              <a:rPr lang="en-US" sz="1200" i="1" dirty="0"/>
               <a:t>UT MD Anderson Cancer Center</a:t>
             </a:r>
             <a:r>
-              <a:rPr lang="en-US" sz="1200" dirty="0" smtClean="0"/>
-              <a:t>	</a:t>
-            </a:r>
-            <a:r>
-              <a:rPr lang="en-US" sz="1200" dirty="0" smtClean="0"/>
-              <a:t>Feb</a:t>
-            </a:r>
-            <a:r>
-              <a:rPr lang="en-US" sz="1200" dirty="0" smtClean="0"/>
-              <a:t>. 2020-Present</a:t>
-            </a:r>
-            <a:endParaRPr lang="en-US" sz="1200" dirty="0"/>
+              <a:rPr lang="en-US" sz="1200" dirty="0"/>
+              <a:t>	Feb. 2020-Present</a:t>
+            </a:r>
           </a:p>
         </p:txBody>
       </p:sp>
@@ -6518,16 +6363,12 @@
           <a:lstStyle/>
           <a:p>
             <a:r>
-              <a:rPr lang="en-US" dirty="0" smtClean="0">
+              <a:rPr lang="en-US" dirty="0">
                 <a:latin typeface="+mj-lt"/>
                 <a:cs typeface="American Typewriter"/>
               </a:rPr>
               <a:t>Directing Computational Pathology &amp; Systems Biology Initiatives at UT MDACC</a:t>
             </a:r>
-            <a:endParaRPr lang="en-US" dirty="0">
-              <a:latin typeface="+mj-lt"/>
-              <a:cs typeface="American Typewriter"/>
-            </a:endParaRPr>
           </a:p>
         </p:txBody>
       </p:sp>
@@ -6575,16 +6416,12 @@
           <a:p>
             <a:pPr algn="ctr"/>
             <a:r>
-              <a:rPr lang="en-US" b="1" dirty="0" smtClean="0">
+              <a:rPr lang="en-US" b="1" dirty="0">
                 <a:latin typeface="Arial"/>
                 <a:cs typeface="Arial"/>
               </a:rPr>
               <a:t>Resume</a:t>
             </a:r>
-            <a:endParaRPr lang="en-US" b="1" dirty="0">
-              <a:latin typeface="Arial"/>
-              <a:cs typeface="Arial"/>
-            </a:endParaRPr>
           </a:p>
         </p:txBody>
       </p:sp>
@@ -6621,10 +6458,9 @@
           <a:lstStyle/>
           <a:p>
             <a:r>
-              <a:rPr lang="en-US" sz="1200" dirty="0" smtClean="0"/>
-              <a:t>Last Updated: Dec. 2020</a:t>
-            </a:r>
-            <a:endParaRPr lang="en-US" sz="1200" dirty="0"/>
+              <a:rPr lang="en-US" sz="1200" dirty="0"/>
+              <a:t>Last Updated: Sep. 2021</a:t>
+            </a:r>
           </a:p>
         </p:txBody>
       </p:sp>
@@ -6638,13 +6474,6 @@
   <p:clrMapOvr>
     <a:masterClrMapping/>
   </p:clrMapOvr>
-  <p:timing>
-    <p:tnLst>
-      <p:par>
-        <p:cTn xmlns:p14="http://schemas.microsoft.com/office/powerpoint/2010/main" id="1" dur="indefinite" restart="never" nodeType="tmRoot"/>
-      </p:par>
-    </p:tnLst>
-  </p:timing>
 </p:sld>
 </file>
 

--- a/CV/Resume.pptx
+++ b/CV/Resume.pptx
@@ -302,7 +302,7 @@
           <a:p>
             <a:fld id="{08F841CE-6291-8041-B8FB-9A5B9FB9A636}" type="datetimeFigureOut">
               <a:rPr lang="en-US" smtClean="0"/>
-              <a:t>9/30/21</a:t>
+              <a:t>10/16/21</a:t>
             </a:fld>
             <a:endParaRPr lang="en-US"/>
           </a:p>
@@ -470,7 +470,7 @@
           <a:p>
             <a:fld id="{08F841CE-6291-8041-B8FB-9A5B9FB9A636}" type="datetimeFigureOut">
               <a:rPr lang="en-US" smtClean="0"/>
-              <a:t>9/30/21</a:t>
+              <a:t>10/16/21</a:t>
             </a:fld>
             <a:endParaRPr lang="en-US"/>
           </a:p>
@@ -648,7 +648,7 @@
           <a:p>
             <a:fld id="{08F841CE-6291-8041-B8FB-9A5B9FB9A636}" type="datetimeFigureOut">
               <a:rPr lang="en-US" smtClean="0"/>
-              <a:t>9/30/21</a:t>
+              <a:t>10/16/21</a:t>
             </a:fld>
             <a:endParaRPr lang="en-US"/>
           </a:p>
@@ -816,7 +816,7 @@
           <a:p>
             <a:fld id="{08F841CE-6291-8041-B8FB-9A5B9FB9A636}" type="datetimeFigureOut">
               <a:rPr lang="en-US" smtClean="0"/>
-              <a:t>9/30/21</a:t>
+              <a:t>10/16/21</a:t>
             </a:fld>
             <a:endParaRPr lang="en-US"/>
           </a:p>
@@ -1061,7 +1061,7 @@
           <a:p>
             <a:fld id="{08F841CE-6291-8041-B8FB-9A5B9FB9A636}" type="datetimeFigureOut">
               <a:rPr lang="en-US" smtClean="0"/>
-              <a:t>9/30/21</a:t>
+              <a:t>10/16/21</a:t>
             </a:fld>
             <a:endParaRPr lang="en-US"/>
           </a:p>
@@ -1346,7 +1346,7 @@
           <a:p>
             <a:fld id="{08F841CE-6291-8041-B8FB-9A5B9FB9A636}" type="datetimeFigureOut">
               <a:rPr lang="en-US" smtClean="0"/>
-              <a:t>9/30/21</a:t>
+              <a:t>10/16/21</a:t>
             </a:fld>
             <a:endParaRPr lang="en-US"/>
           </a:p>
@@ -1765,7 +1765,7 @@
           <a:p>
             <a:fld id="{08F841CE-6291-8041-B8FB-9A5B9FB9A636}" type="datetimeFigureOut">
               <a:rPr lang="en-US" smtClean="0"/>
-              <a:t>9/30/21</a:t>
+              <a:t>10/16/21</a:t>
             </a:fld>
             <a:endParaRPr lang="en-US"/>
           </a:p>
@@ -1882,7 +1882,7 @@
           <a:p>
             <a:fld id="{08F841CE-6291-8041-B8FB-9A5B9FB9A636}" type="datetimeFigureOut">
               <a:rPr lang="en-US" smtClean="0"/>
-              <a:t>9/30/21</a:t>
+              <a:t>10/16/21</a:t>
             </a:fld>
             <a:endParaRPr lang="en-US"/>
           </a:p>
@@ -1977,7 +1977,7 @@
           <a:p>
             <a:fld id="{08F841CE-6291-8041-B8FB-9A5B9FB9A636}" type="datetimeFigureOut">
               <a:rPr lang="en-US" smtClean="0"/>
-              <a:t>9/30/21</a:t>
+              <a:t>10/16/21</a:t>
             </a:fld>
             <a:endParaRPr lang="en-US"/>
           </a:p>
@@ -2252,7 +2252,7 @@
           <a:p>
             <a:fld id="{08F841CE-6291-8041-B8FB-9A5B9FB9A636}" type="datetimeFigureOut">
               <a:rPr lang="en-US" smtClean="0"/>
-              <a:t>9/30/21</a:t>
+              <a:t>10/16/21</a:t>
             </a:fld>
             <a:endParaRPr lang="en-US"/>
           </a:p>
@@ -2504,7 +2504,7 @@
           <a:p>
             <a:fld id="{08F841CE-6291-8041-B8FB-9A5B9FB9A636}" type="datetimeFigureOut">
               <a:rPr lang="en-US" smtClean="0"/>
-              <a:t>9/30/21</a:t>
+              <a:t>10/16/21</a:t>
             </a:fld>
             <a:endParaRPr lang="en-US"/>
           </a:p>
@@ -2715,7 +2715,7 @@
           <a:p>
             <a:fld id="{08F841CE-6291-8041-B8FB-9A5B9FB9A636}" type="datetimeFigureOut">
               <a:rPr lang="en-US" smtClean="0"/>
-              <a:t>9/30/21</a:t>
+              <a:t>10/16/21</a:t>
             </a:fld>
             <a:endParaRPr lang="en-US"/>
           </a:p>
@@ -5557,8 +5557,8 @@
         </p:nvSpPr>
         <p:spPr>
           <a:xfrm>
-            <a:off x="1848591" y="369622"/>
-            <a:ext cx="1816201" cy="830997"/>
+            <a:off x="1882260" y="224891"/>
+            <a:ext cx="1816201" cy="1015663"/>
           </a:xfrm>
           <a:prstGeom prst="rect">
             <a:avLst/>
@@ -5586,6 +5586,12 @@
             <a:r>
               <a:rPr lang="en-US" sz="1200" dirty="0"/>
               <a:t>NGS analysis/processing</a:t>
+            </a:r>
+          </a:p>
+          <a:p>
+            <a:r>
+              <a:rPr lang="en-US" sz="1200" dirty="0"/>
+              <a:t>Systems Biology</a:t>
             </a:r>
           </a:p>
         </p:txBody>
@@ -5835,8 +5841,8 @@
         </p:nvSpPr>
         <p:spPr>
           <a:xfrm>
-            <a:off x="2365997" y="4919008"/>
-            <a:ext cx="1899712" cy="1938992"/>
+            <a:off x="2267071" y="4889623"/>
+            <a:ext cx="2283423" cy="1938992"/>
           </a:xfrm>
           <a:prstGeom prst="rect">
             <a:avLst/>
@@ -5857,6 +5863,12 @@
           <a:p>
             <a:r>
               <a:rPr lang="en-US" sz="1200" dirty="0"/>
+              <a:t>Graph Databases (Neo4j)</a:t>
+            </a:r>
+          </a:p>
+          <a:p>
+            <a:r>
+              <a:rPr lang="en-US" sz="1200" dirty="0"/>
               <a:t>Machine learning</a:t>
             </a:r>
           </a:p>
@@ -5875,7 +5887,7 @@
           <a:p>
             <a:r>
               <a:rPr lang="en-US" sz="1200" dirty="0"/>
-              <a:t>R/Python/Other </a:t>
+              <a:t>R/Python/C/C++ </a:t>
             </a:r>
           </a:p>
           <a:p>
@@ -5894,12 +5906,6 @@
             <a:r>
               <a:rPr lang="en-US" sz="1200" dirty="0"/>
               <a:t>Statistics, Mathematics</a:t>
-            </a:r>
-          </a:p>
-          <a:p>
-            <a:r>
-              <a:rPr lang="en-US" sz="1200" dirty="0"/>
-              <a:t>Academic research</a:t>
             </a:r>
           </a:p>
           <a:p>
@@ -6339,15 +6345,16 @@
         </p:nvSpPr>
         <p:spPr>
           <a:xfrm>
-            <a:off x="5531785" y="5814545"/>
+            <a:off x="5419992" y="5736919"/>
             <a:ext cx="3490848" cy="923330"/>
           </a:xfrm>
           <a:prstGeom prst="rect">
             <a:avLst/>
           </a:prstGeom>
           <a:solidFill>
-            <a:schemeClr val="bg1">
-              <a:lumMod val="85000"/>
+            <a:schemeClr val="accent3">
+              <a:lumMod val="60000"/>
+              <a:lumOff val="40000"/>
             </a:schemeClr>
           </a:solidFill>
           <a:ln>
@@ -6362,12 +6369,38 @@
           </a:bodyPr>
           <a:lstStyle/>
           <a:p>
+            <a:pPr algn="ctr"/>
             <a:r>
               <a:rPr lang="en-US" dirty="0">
                 <a:latin typeface="+mj-lt"/>
                 <a:cs typeface="American Typewriter"/>
               </a:rPr>
-              <a:t>Directing Computational Pathology &amp; Systems Biology Initiatives at UT MDACC</a:t>
+              <a:t>Data Scientist (since 2007)</a:t>
+            </a:r>
+          </a:p>
+          <a:p>
+            <a:pPr algn="ctr"/>
+            <a:r>
+              <a:rPr lang="en-US" dirty="0">
+                <a:latin typeface="+mj-lt"/>
+                <a:cs typeface="American Typewriter"/>
+                <a:hlinkClick r:id="rId2"/>
+              </a:rPr>
+              <a:t>kasthuri@gmail.com</a:t>
+            </a:r>
+            <a:endParaRPr lang="en-US" dirty="0">
+              <a:latin typeface="+mj-lt"/>
+              <a:cs typeface="American Typewriter"/>
+            </a:endParaRPr>
+          </a:p>
+          <a:p>
+            <a:pPr algn="ctr"/>
+            <a:r>
+              <a:rPr lang="en-US" dirty="0">
+                <a:latin typeface="+mj-lt"/>
+                <a:cs typeface="American Typewriter"/>
+              </a:rPr>
+              <a:t>Status: Available for opportunities</a:t>
             </a:r>
           </a:p>
         </p:txBody>
@@ -6441,8 +6474,8 @@
           </a:prstGeom>
           <a:solidFill>
             <a:schemeClr val="accent3">
-              <a:lumMod val="40000"/>
-              <a:lumOff val="60000"/>
+              <a:lumMod val="60000"/>
+              <a:lumOff val="40000"/>
             </a:schemeClr>
           </a:solidFill>
           <a:ln>
